--- a/Kolloquium/Kolloquium_Andreas.pptx
+++ b/Kolloquium/Kolloquium_Andreas.pptx
@@ -48,7 +48,7 @@
       <p:boldItalic r:id="rId32"/>
     </p:embeddedFont>
     <p:embeddedFont>
-      <p:font typeface="Open Sans" panose="020B0606030504020204" pitchFamily="34" charset="0"/>
+      <p:font typeface="Open Sans" pitchFamily="2" charset="0"/>
       <p:regular r:id="rId33"/>
       <p:bold r:id="rId34"/>
       <p:italic r:id="rId35"/>
@@ -3179,7 +3179,7 @@
           <a:p>
             <a:fld id="{C6AC6211-610F-44E5-BF19-D3CDF6EDD281}" type="datetimeFigureOut">
               <a:rPr lang="de-DE" smtClean="0"/>
-              <a:t>29.06.2022</a:t>
+              <a:t>08.03.23</a:t>
             </a:fld>
             <a:endParaRPr lang="de-DE"/>
           </a:p>
@@ -3373,7 +3373,7 @@
           <a:p>
             <a:fld id="{347435D3-23A6-45D3-8DFA-7317DC1E7A64}" type="datetimeFigureOut">
               <a:rPr lang="de-DE" smtClean="0"/>
-              <a:t>29.06.2022</a:t>
+              <a:t>08.03.23</a:t>
             </a:fld>
             <a:endParaRPr lang="de-DE"/>
           </a:p>
@@ -7682,13 +7682,13 @@
   <p:clrMapOvr>
     <a:masterClrMapping/>
   </p:clrMapOvr>
-  <mc:AlternateContent xmlns:mc="http://schemas.openxmlformats.org/markup-compatibility/2006">
-    <mc:Choice xmlns:p14="http://schemas.microsoft.com/office/powerpoint/2010/main" Requires="p14">
+  <mc:AlternateContent xmlns:mc="http://schemas.openxmlformats.org/markup-compatibility/2006" xmlns:p14="http://schemas.microsoft.com/office/powerpoint/2010/main">
+    <mc:Choice Requires="p14">
       <p:transition p14:dur="100">
         <p:cut/>
       </p:transition>
     </mc:Choice>
-    <mc:Fallback>
+    <mc:Fallback xmlns="">
       <p:transition>
         <p:cut/>
       </p:transition>
